--- a/documents/EarlyBird.pptx
+++ b/documents/EarlyBird.pptx
@@ -6754,8 +6754,8 @@
         </p:nvGrpSpPr>
         <p:grpSpPr>
           <a:xfrm>
-            <a:off x="407458" y="706394"/>
-            <a:ext cx="5688542" cy="3136814"/>
+            <a:off x="407457" y="706394"/>
+            <a:ext cx="6257111" cy="3136814"/>
             <a:chOff x="0" y="-76200"/>
             <a:chExt cx="11377084" cy="6273628"/>
           </a:xfrm>
@@ -6769,7 +6769,7 @@
           <p:spPr>
             <a:xfrm>
               <a:off x="0" y="-76200"/>
-              <a:ext cx="11377084" cy="4087016"/>
+              <a:ext cx="11377084" cy="4257576"/>
             </a:xfrm>
             <a:prstGeom prst="rect">
               <a:avLst/>
@@ -6824,7 +6824,19 @@
                   </a:solidFill>
                   <a:ea typeface="Tlab 돋움 미디움 Bold"/>
                 </a:rPr>
-                <a:t>일어나는 당신이</a:t>
+                <a:t>일어나는 </a:t>
+              </a:r>
+              <a:r>
+                <a:rPr lang="ko-KR" altLang="en-US" sz="6466" dirty="0" smtClean="0">
+                  <a:solidFill>
+                    <a:schemeClr val="accent1">
+                      <a:lumMod val="40000"/>
+                      <a:lumOff val="60000"/>
+                    </a:schemeClr>
+                  </a:solidFill>
+                  <a:ea typeface="Tlab 돋움 미디움 Bold"/>
+                </a:rPr>
+                <a:t>당신이</a:t>
               </a:r>
               <a:r>
                 <a:rPr lang="en-US" altLang="ko-KR" sz="6466" dirty="0">
@@ -6836,7 +6848,7 @@
                   </a:solidFill>
                   <a:ea typeface="Tlab 돋움 미디움 Bold"/>
                 </a:rPr>
-                <a:t>.</a:t>
+                <a:t>,</a:t>
               </a:r>
               <a:endParaRPr lang="en-US" sz="6466" dirty="0">
                 <a:solidFill>
@@ -6995,6 +7007,13 @@
   <p:clrMapOvr>
     <a:masterClrMapping/>
   </p:clrMapOvr>
+  <p:timing>
+    <p:tnLst>
+      <p:par>
+        <p:cTn id="1" dur="indefinite" restart="never" nodeType="tmRoot"/>
+      </p:par>
+    </p:tnLst>
+  </p:timing>
 </p:sld>
 </file>
 
@@ -7174,6 +7193,13 @@
   <p:clrMapOvr>
     <a:masterClrMapping/>
   </p:clrMapOvr>
+  <p:timing>
+    <p:tnLst>
+      <p:par>
+        <p:cTn id="1" dur="indefinite" restart="never" nodeType="tmRoot"/>
+      </p:par>
+    </p:tnLst>
+  </p:timing>
 </p:sld>
 </file>
 
@@ -7299,6 +7325,13 @@
   <p:clrMapOvr>
     <a:masterClrMapping/>
   </p:clrMapOvr>
+  <p:timing>
+    <p:tnLst>
+      <p:par>
+        <p:cTn id="1" dur="indefinite" restart="never" nodeType="tmRoot"/>
+      </p:par>
+    </p:tnLst>
+  </p:timing>
 </p:sld>
 </file>
 
@@ -7347,7 +7380,7 @@
           </a:prstGeom>
           <a:ln w="76200" cap="flat">
             <a:solidFill>
-              <a:srgbClr val="00B0F0"/>
+              <a:srgbClr val="05BCFE"/>
             </a:solidFill>
             <a:prstDash val="solid"/>
             <a:headEnd type="none" w="sm" len="sm"/>
@@ -7423,7 +7456,7 @@
         <p:spPr>
           <a:xfrm>
             <a:off x="6537946" y="4282759"/>
-            <a:ext cx="2339354" cy="307777"/>
+            <a:ext cx="2606054" cy="307777"/>
           </a:xfrm>
           <a:prstGeom prst="rect">
             <a:avLst/>
@@ -7444,13 +7477,22 @@
               </a:spcBef>
             </a:pPr>
             <a:r>
-              <a:rPr lang="ko-KR" altLang="en-US" sz="2000">
+              <a:rPr lang="ko-KR" altLang="en-US" sz="2000" dirty="0" smtClean="0">
                 <a:solidFill>
                   <a:srgbClr val="00B0F0"/>
                 </a:solidFill>
                 <a:ea typeface="Tlab 돋움 미디움 Bold"/>
               </a:rPr>
-              <a:t>대화가능한 나만의 새</a:t>
+              <a:t>대화 가능한 </a:t>
+            </a:r>
+            <a:r>
+              <a:rPr lang="ko-KR" altLang="en-US" sz="2000" dirty="0">
+                <a:solidFill>
+                  <a:srgbClr val="00B0F0"/>
+                </a:solidFill>
+                <a:ea typeface="Tlab 돋움 미디움 Bold"/>
+              </a:rPr>
+              <a:t>나만의 새</a:t>
             </a:r>
             <a:endParaRPr lang="en-US" sz="2000" dirty="0">
               <a:solidFill>
@@ -7529,14 +7571,14 @@
         <p:spPr>
           <a:xfrm>
             <a:off x="9513062" y="3275111"/>
-            <a:ext cx="2121953" cy="307777"/>
-          </a:xfrm>
-          <a:prstGeom prst="rect">
-            <a:avLst/>
-          </a:prstGeom>
-        </p:spPr>
-        <p:txBody>
-          <a:bodyPr lIns="0" tIns="0" rIns="0" bIns="0" rtlCol="0" anchor="t">
+            <a:ext cx="2278888" cy="307777"/>
+          </a:xfrm>
+          <a:prstGeom prst="rect">
+            <a:avLst/>
+          </a:prstGeom>
+        </p:spPr>
+        <p:txBody>
+          <a:bodyPr wrap="square" lIns="0" tIns="0" rIns="0" bIns="0" rtlCol="0" anchor="t">
             <a:spAutoFit/>
           </a:bodyPr>
           <a:lstStyle/>
@@ -7862,6 +7904,13 @@
   <p:clrMapOvr>
     <a:masterClrMapping/>
   </p:clrMapOvr>
+  <p:timing>
+    <p:tnLst>
+      <p:par>
+        <p:cTn id="1" dur="indefinite" restart="never" nodeType="tmRoot"/>
+      </p:par>
+    </p:tnLst>
+  </p:timing>
 </p:sld>
 </file>
 
@@ -8010,6 +8059,13 @@
   <p:clrMapOvr>
     <a:masterClrMapping/>
   </p:clrMapOvr>
+  <p:timing>
+    <p:tnLst>
+      <p:par>
+        <p:cTn id="1" dur="indefinite" restart="never" nodeType="tmRoot"/>
+      </p:par>
+    </p:tnLst>
+  </p:timing>
 </p:sld>
 </file>
 
@@ -8039,7 +8095,7 @@
         <p:spPr>
           <a:xfrm>
             <a:off x="883459" y="409648"/>
-            <a:ext cx="6108054" cy="533479"/>
+            <a:ext cx="6108054" cy="521746"/>
           </a:xfrm>
           <a:prstGeom prst="rect">
             <a:avLst/>
@@ -8060,7 +8116,7 @@
               </a:spcBef>
             </a:pPr>
             <a:r>
-              <a:rPr lang="en-US" altLang="ko-KR" sz="3666" dirty="0" err="1">
+              <a:rPr lang="en-US" altLang="ko-KR" sz="3666" dirty="0" err="1" smtClean="0">
                 <a:solidFill>
                   <a:srgbClr val="00B0F0"/>
                 </a:solidFill>
@@ -8069,13 +8125,13 @@
               <a:t>EarlyBird</a:t>
             </a:r>
             <a:r>
-              <a:rPr lang="en-US" altLang="ko-KR" sz="3666" dirty="0">
+              <a:rPr lang="en-US" altLang="ko-KR" sz="3666" dirty="0" smtClean="0">
                 <a:solidFill>
                   <a:srgbClr val="00B0F0"/>
                 </a:solidFill>
                 <a:ea typeface="Tlab 돋움 미디움 Bold"/>
               </a:rPr>
-              <a:t> ?</a:t>
+              <a:t>?</a:t>
             </a:r>
             <a:endParaRPr lang="en-US" sz="3666" dirty="0">
               <a:solidFill>
@@ -8242,11 +8298,108 @@
           </a:p>
         </p:txBody>
       </p:sp>
+      <p:pic>
+        <p:nvPicPr>
+          <p:cNvPr id="2" name="그림 1"/>
+          <p:cNvPicPr>
+            <a:picLocks noChangeAspect="1"/>
+          </p:cNvPicPr>
+          <p:nvPr/>
+        </p:nvPicPr>
+        <p:blipFill>
+          <a:blip r:embed="rId3">
+            <a:extLst>
+              <a:ext uri="{28A0092B-C50C-407E-A947-70E740481C1C}">
+                <a14:useLocalDpi xmlns:a14="http://schemas.microsoft.com/office/drawing/2010/main" val="0"/>
+              </a:ext>
+            </a:extLst>
+          </a:blip>
+          <a:stretch>
+            <a:fillRect/>
+          </a:stretch>
+        </p:blipFill>
+        <p:spPr>
+          <a:xfrm>
+            <a:off x="1612502" y="2191231"/>
+            <a:ext cx="2296574" cy="2450965"/>
+          </a:xfrm>
+          <a:prstGeom prst="rect">
+            <a:avLst/>
+          </a:prstGeom>
+        </p:spPr>
+      </p:pic>
+      <p:pic>
+        <p:nvPicPr>
+          <p:cNvPr id="4" name="그림 3"/>
+          <p:cNvPicPr>
+            <a:picLocks noChangeAspect="1"/>
+          </p:cNvPicPr>
+          <p:nvPr/>
+        </p:nvPicPr>
+        <p:blipFill>
+          <a:blip r:embed="rId4">
+            <a:extLst>
+              <a:ext uri="{28A0092B-C50C-407E-A947-70E740481C1C}">
+                <a14:useLocalDpi xmlns:a14="http://schemas.microsoft.com/office/drawing/2010/main" val="0"/>
+              </a:ext>
+            </a:extLst>
+          </a:blip>
+          <a:stretch>
+            <a:fillRect/>
+          </a:stretch>
+        </p:blipFill>
+        <p:spPr>
+          <a:xfrm>
+            <a:off x="8282922" y="2191231"/>
+            <a:ext cx="2296574" cy="2450965"/>
+          </a:xfrm>
+          <a:prstGeom prst="rect">
+            <a:avLst/>
+          </a:prstGeom>
+        </p:spPr>
+      </p:pic>
+      <p:pic>
+        <p:nvPicPr>
+          <p:cNvPr id="5" name="그림 4"/>
+          <p:cNvPicPr>
+            <a:picLocks noChangeAspect="1"/>
+          </p:cNvPicPr>
+          <p:nvPr/>
+        </p:nvPicPr>
+        <p:blipFill>
+          <a:blip r:embed="rId5">
+            <a:extLst>
+              <a:ext uri="{28A0092B-C50C-407E-A947-70E740481C1C}">
+                <a14:useLocalDpi xmlns:a14="http://schemas.microsoft.com/office/drawing/2010/main" val="0"/>
+              </a:ext>
+            </a:extLst>
+          </a:blip>
+          <a:stretch>
+            <a:fillRect/>
+          </a:stretch>
+        </p:blipFill>
+        <p:spPr>
+          <a:xfrm>
+            <a:off x="4947712" y="2191230"/>
+            <a:ext cx="2296574" cy="2450965"/>
+          </a:xfrm>
+          <a:prstGeom prst="rect">
+            <a:avLst/>
+          </a:prstGeom>
+        </p:spPr>
+      </p:pic>
     </p:spTree>
   </p:cSld>
   <p:clrMapOvr>
     <a:masterClrMapping/>
   </p:clrMapOvr>
+  <p:timing>
+    <p:tnLst>
+      <p:par>
+        <p:cTn id="1" dur="indefinite" restart="never" nodeType="tmRoot"/>
+      </p:par>
+    </p:tnLst>
+  </p:timing>
 </p:sld>
 </file>
 
@@ -9331,6 +9484,13 @@
   <p:clrMapOvr>
     <a:masterClrMapping/>
   </p:clrMapOvr>
+  <p:timing>
+    <p:tnLst>
+      <p:par>
+        <p:cTn id="1" dur="indefinite" restart="never" nodeType="tmRoot"/>
+      </p:par>
+    </p:tnLst>
+  </p:timing>
 </p:sld>
 </file>
 
@@ -9431,127 +9591,6 @@
               </a:solidFill>
               <a:ea typeface="Tlab 돋움 미디움 Bold"/>
             </a:endParaRPr>
-          </a:p>
-        </p:txBody>
-      </p:sp>
-      <p:grpSp>
-        <p:nvGrpSpPr>
-          <p:cNvPr id="4" name="Group 4"/>
-          <p:cNvGrpSpPr/>
-          <p:nvPr/>
-        </p:nvGrpSpPr>
-        <p:grpSpPr>
-          <a:xfrm rot="733862">
-            <a:off x="-873001" y="5564143"/>
-            <a:ext cx="12944881" cy="2539236"/>
-            <a:chOff x="0" y="0"/>
-            <a:chExt cx="5114027" cy="1003155"/>
-          </a:xfrm>
-        </p:grpSpPr>
-        <p:sp>
-          <p:nvSpPr>
-            <p:cNvPr id="5" name="Freeform 5"/>
-            <p:cNvSpPr/>
-            <p:nvPr/>
-          </p:nvSpPr>
-          <p:spPr>
-            <a:xfrm>
-              <a:off x="0" y="0"/>
-              <a:ext cx="5114027" cy="1003155"/>
-            </a:xfrm>
-            <a:custGeom>
-              <a:avLst/>
-              <a:gdLst/>
-              <a:ahLst/>
-              <a:cxnLst/>
-              <a:rect l="l" t="t" r="r" b="b"/>
-              <a:pathLst>
-                <a:path w="5114027" h="1003155">
-                  <a:moveTo>
-                    <a:pt x="0" y="0"/>
-                  </a:moveTo>
-                  <a:lnTo>
-                    <a:pt x="5114027" y="0"/>
-                  </a:lnTo>
-                  <a:lnTo>
-                    <a:pt x="5114027" y="1003155"/>
-                  </a:lnTo>
-                  <a:lnTo>
-                    <a:pt x="0" y="1003155"/>
-                  </a:lnTo>
-                  <a:close/>
-                </a:path>
-              </a:pathLst>
-            </a:custGeom>
-            <a:solidFill>
-              <a:srgbClr val="00B0F0"/>
-            </a:solidFill>
-          </p:spPr>
-          <p:txBody>
-            <a:bodyPr/>
-            <a:lstStyle/>
-            <a:p>
-              <a:endParaRPr lang="ko-KR" altLang="en-US" dirty="0"/>
-            </a:p>
-          </p:txBody>
-        </p:sp>
-        <p:sp>
-          <p:nvSpPr>
-            <p:cNvPr id="6" name="TextBox 6"/>
-            <p:cNvSpPr txBox="1"/>
-            <p:nvPr/>
-          </p:nvSpPr>
-          <p:spPr>
-            <a:xfrm>
-              <a:off x="0" y="-47625"/>
-              <a:ext cx="812800" cy="860425"/>
-            </a:xfrm>
-            <a:prstGeom prst="rect">
-              <a:avLst/>
-            </a:prstGeom>
-          </p:spPr>
-          <p:txBody>
-            <a:bodyPr lIns="33867" tIns="33867" rIns="33867" bIns="33867" rtlCol="0" anchor="ctr"/>
-            <a:lstStyle/>
-            <a:p>
-              <a:pPr algn="ctr">
-                <a:lnSpc>
-                  <a:spcPts val="2239"/>
-                </a:lnSpc>
-              </a:pPr>
-              <a:endParaRPr sz="1200"/>
-            </a:p>
-          </p:txBody>
-        </p:sp>
-      </p:grpSp>
-      <p:sp>
-        <p:nvSpPr>
-          <p:cNvPr id="7" name="AutoShape 7"/>
-          <p:cNvSpPr/>
-          <p:nvPr/>
-        </p:nvSpPr>
-        <p:spPr>
-          <a:xfrm>
-            <a:off x="-794529" y="3936659"/>
-            <a:ext cx="13434793" cy="2921341"/>
-          </a:xfrm>
-          <a:prstGeom prst="line">
-            <a:avLst/>
-          </a:prstGeom>
-          <a:ln w="76200" cap="flat">
-            <a:solidFill>
-              <a:srgbClr val="00B0F0"/>
-            </a:solidFill>
-            <a:prstDash val="solid"/>
-            <a:headEnd type="none" w="sm" len="sm"/>
-            <a:tailEnd type="none" w="sm" len="sm"/>
-          </a:ln>
-        </p:spPr>
-        <p:txBody>
-          <a:bodyPr/>
-          <a:lstStyle/>
-          <a:p>
-            <a:endParaRPr lang="ko-KR" altLang="en-US" sz="1200"/>
           </a:p>
         </p:txBody>
       </p:sp>
@@ -9607,8 +9646,8 @@
         </p:nvSpPr>
         <p:spPr>
           <a:xfrm>
-            <a:off x="1853413" y="1639098"/>
-            <a:ext cx="3746026" cy="267317"/>
+            <a:off x="1757181" y="1641404"/>
+            <a:ext cx="3134133" cy="589905"/>
           </a:xfrm>
           <a:prstGeom prst="rect">
             <a:avLst/>
@@ -9687,8 +9726,8 @@
         </p:nvSpPr>
         <p:spPr>
           <a:xfrm>
-            <a:off x="6886530" y="5212203"/>
-            <a:ext cx="4211776" cy="271164"/>
+            <a:off x="6264590" y="4794776"/>
+            <a:ext cx="1914327" cy="884858"/>
           </a:xfrm>
           <a:prstGeom prst="rect">
             <a:avLst/>
@@ -9710,7 +9749,7 @@
                 <a:solidFill>
                   <a:srgbClr val="000000"/>
                 </a:solidFill>
-                <a:latin typeface="Tlab 돋움 미디움"/>
+                <a:latin typeface="+mn-ea"/>
               </a:rPr>
               <a:t>디버깅</a:t>
             </a:r>
@@ -9719,7 +9758,7 @@
                 <a:solidFill>
                   <a:srgbClr val="000000"/>
                 </a:solidFill>
-                <a:latin typeface="Tlab 돋움 미디움"/>
+                <a:latin typeface="+mn-ea"/>
               </a:rPr>
               <a:t>, UI/UX </a:t>
             </a:r>
@@ -9728,7 +9767,7 @@
                 <a:solidFill>
                   <a:srgbClr val="000000"/>
                 </a:solidFill>
-                <a:latin typeface="Tlab 돋움 미디움"/>
+                <a:latin typeface="+mn-ea"/>
               </a:rPr>
               <a:t>개선</a:t>
             </a:r>
@@ -9737,7 +9776,7 @@
                 <a:solidFill>
                   <a:srgbClr val="000000"/>
                 </a:solidFill>
-                <a:latin typeface="Tlab 돋움 미디움"/>
+                <a:latin typeface="+mn-ea"/>
               </a:rPr>
               <a:t>, UI </a:t>
             </a:r>
@@ -9746,7 +9785,7 @@
                 <a:solidFill>
                   <a:srgbClr val="000000"/>
                 </a:solidFill>
-                <a:latin typeface="Tlab 돋움 미디움"/>
+                <a:latin typeface="+mn-ea"/>
               </a:rPr>
               <a:t>디자인 적용</a:t>
             </a:r>
@@ -9755,7 +9794,7 @@
                 <a:solidFill>
                   <a:srgbClr val="000000"/>
                 </a:solidFill>
-                <a:latin typeface="Tlab 돋움 미디움"/>
+                <a:latin typeface="+mn-ea"/>
               </a:rPr>
               <a:t>, </a:t>
             </a:r>
@@ -9764,7 +9803,7 @@
                 <a:solidFill>
                   <a:srgbClr val="000000"/>
                 </a:solidFill>
-                <a:latin typeface="Tlab 돋움 미디움"/>
+                <a:latin typeface="+mn-ea"/>
               </a:rPr>
               <a:t>문서 작업</a:t>
             </a:r>
@@ -9772,7 +9811,7 @@
               <a:solidFill>
                 <a:srgbClr val="000000"/>
               </a:solidFill>
-              <a:latin typeface="Tlab 돋움 미디움"/>
+              <a:latin typeface="+mn-ea"/>
             </a:endParaRPr>
           </a:p>
         </p:txBody>
@@ -9785,7 +9824,7 @@
         </p:nvSpPr>
         <p:spPr>
           <a:xfrm>
-            <a:off x="11387974" y="6166623"/>
+            <a:off x="8442926" y="2739721"/>
             <a:ext cx="675369" cy="267317"/>
           </a:xfrm>
           <a:prstGeom prst="rect">
@@ -9808,7 +9847,7 @@
                 <a:solidFill>
                   <a:srgbClr val="000000"/>
                 </a:solidFill>
-                <a:ea typeface="Tlab 돋움 미디움"/>
+                <a:latin typeface="+mn-ea"/>
               </a:rPr>
               <a:t>발표</a:t>
             </a:r>
@@ -9816,7 +9855,7 @@
               <a:solidFill>
                 <a:srgbClr val="000000"/>
               </a:solidFill>
-              <a:ea typeface="Tlab 돋움 미디움"/>
+              <a:latin typeface="+mn-ea"/>
             </a:endParaRPr>
           </a:p>
         </p:txBody>
@@ -9835,7 +9874,7 @@
         </p:nvGrpSpPr>
         <p:grpSpPr>
           <a:xfrm>
-            <a:off x="343074" y="1105623"/>
+            <a:off x="978112" y="3178933"/>
             <a:ext cx="1350739" cy="1334270"/>
             <a:chOff x="6172542" y="1228216"/>
             <a:chExt cx="1350739" cy="1334270"/>
@@ -9964,7 +10003,7 @@
         </p:nvGrpSpPr>
         <p:grpSpPr>
           <a:xfrm>
-            <a:off x="9938784" y="5633148"/>
+            <a:off x="7832592" y="3209995"/>
             <a:ext cx="1350739" cy="1334270"/>
             <a:chOff x="6172542" y="1228216"/>
             <a:chExt cx="1350739" cy="1334270"/>
@@ -10093,7 +10132,7 @@
         </p:nvGrpSpPr>
         <p:grpSpPr>
           <a:xfrm>
-            <a:off x="5535793" y="4680651"/>
+            <a:off x="5936051" y="3235732"/>
             <a:ext cx="1350739" cy="1334270"/>
             <a:chOff x="6172542" y="1228216"/>
             <a:chExt cx="1350739" cy="1334270"/>
@@ -10222,7 +10261,7 @@
         </p:nvGrpSpPr>
         <p:grpSpPr>
           <a:xfrm>
-            <a:off x="680201" y="2077799"/>
+            <a:off x="2422863" y="3178932"/>
             <a:ext cx="1350739" cy="1334270"/>
             <a:chOff x="6172542" y="1228216"/>
             <a:chExt cx="1350739" cy="1334270"/>
@@ -10351,8 +10390,8 @@
         </p:nvSpPr>
         <p:spPr>
           <a:xfrm>
-            <a:off x="2064473" y="2611274"/>
-            <a:ext cx="4613418" cy="267317"/>
+            <a:off x="2673372" y="4745180"/>
+            <a:ext cx="2363085" cy="589905"/>
           </a:xfrm>
           <a:prstGeom prst="rect">
             <a:avLst/>
@@ -10446,7 +10485,7 @@
         </p:nvGrpSpPr>
         <p:grpSpPr>
           <a:xfrm>
-            <a:off x="1779658" y="3818983"/>
+            <a:off x="4304711" y="3187386"/>
             <a:ext cx="1350739" cy="1334270"/>
             <a:chOff x="6172542" y="1228216"/>
             <a:chExt cx="1350739" cy="1334270"/>
@@ -10575,7 +10614,7 @@
         </p:nvSpPr>
         <p:spPr>
           <a:xfrm>
-            <a:off x="3130395" y="4352458"/>
+            <a:off x="4783860" y="2804080"/>
             <a:ext cx="3048732" cy="267317"/>
           </a:xfrm>
           <a:prstGeom prst="rect">
@@ -10598,7 +10637,7 @@
                 <a:solidFill>
                   <a:srgbClr val="000000"/>
                 </a:solidFill>
-                <a:ea typeface="Tlab 돋움 미디움"/>
+                <a:latin typeface="+mn-ea"/>
               </a:rPr>
               <a:t>기능 통합 및 통합 테스트</a:t>
             </a:r>
@@ -10607,7 +10646,7 @@
                 <a:solidFill>
                   <a:srgbClr val="000000"/>
                 </a:solidFill>
-                <a:ea typeface="Tlab 돋움 미디움"/>
+                <a:latin typeface="+mn-ea"/>
               </a:rPr>
               <a:t>, </a:t>
             </a:r>
@@ -10616,7 +10655,7 @@
                 <a:solidFill>
                   <a:srgbClr val="000000"/>
                 </a:solidFill>
-                <a:ea typeface="Tlab 돋움 미디움"/>
+                <a:latin typeface="+mn-ea"/>
               </a:rPr>
               <a:t>디버깅</a:t>
             </a:r>
@@ -10624,8 +10663,61 @@
               <a:solidFill>
                 <a:srgbClr val="000000"/>
               </a:solidFill>
-              <a:ea typeface="Tlab 돋움 미디움"/>
+              <a:latin typeface="+mn-ea"/>
             </a:endParaRPr>
+          </a:p>
+        </p:txBody>
+      </p:sp>
+      <p:sp>
+        <p:nvSpPr>
+          <p:cNvPr id="29" name="Freeform 5"/>
+          <p:cNvSpPr/>
+          <p:nvPr/>
+        </p:nvSpPr>
+        <p:spPr>
+          <a:xfrm>
+            <a:off x="-5953368" y="7860003"/>
+            <a:ext cx="12944881" cy="3469344"/>
+          </a:xfrm>
+          <a:custGeom>
+            <a:avLst/>
+            <a:gdLst/>
+            <a:ahLst/>
+            <a:cxnLst/>
+            <a:rect l="l" t="t" r="r" b="b"/>
+            <a:pathLst>
+              <a:path w="5114027" h="1003155">
+                <a:moveTo>
+                  <a:pt x="0" y="0"/>
+                </a:moveTo>
+                <a:lnTo>
+                  <a:pt x="5114027" y="0"/>
+                </a:lnTo>
+                <a:lnTo>
+                  <a:pt x="5114027" y="1003155"/>
+                </a:lnTo>
+                <a:lnTo>
+                  <a:pt x="0" y="1003155"/>
+                </a:lnTo>
+                <a:close/>
+              </a:path>
+            </a:pathLst>
+          </a:custGeom>
+          <a:solidFill>
+            <a:srgbClr val="00B0F0"/>
+          </a:solidFill>
+          <a:scene3d>
+            <a:camera prst="orthographicFront">
+              <a:rot lat="0" lon="0" rev="19499999"/>
+            </a:camera>
+            <a:lightRig rig="threePt" dir="t"/>
+          </a:scene3d>
+        </p:spPr>
+        <p:txBody>
+          <a:bodyPr/>
+          <a:lstStyle/>
+          <a:p>
+            <a:endParaRPr lang="ko-KR" altLang="en-US" dirty="0"/>
           </a:p>
         </p:txBody>
       </p:sp>
@@ -10634,6 +10726,13 @@
   <p:clrMapOvr>
     <a:masterClrMapping/>
   </p:clrMapOvr>
+  <p:timing>
+    <p:tnLst>
+      <p:par>
+        <p:cTn id="1" dur="indefinite" restart="never" nodeType="tmRoot"/>
+      </p:par>
+    </p:tnLst>
+  </p:timing>
 </p:sld>
 </file>
 
@@ -10788,6 +10887,13 @@
   <p:clrMapOvr>
     <a:masterClrMapping/>
   </p:clrMapOvr>
+  <p:timing>
+    <p:tnLst>
+      <p:par>
+        <p:cTn id="1" dur="indefinite" restart="never" nodeType="tmRoot"/>
+      </p:par>
+    </p:tnLst>
+  </p:timing>
 </p:sld>
 </file>
 
@@ -10967,6 +11073,13 @@
   <p:clrMapOvr>
     <a:masterClrMapping/>
   </p:clrMapOvr>
+  <p:timing>
+    <p:tnLst>
+      <p:par>
+        <p:cTn id="1" dur="indefinite" restart="never" nodeType="tmRoot"/>
+      </p:par>
+    </p:tnLst>
+  </p:timing>
 </p:sld>
 </file>
 
@@ -11146,6 +11259,13 @@
   <p:clrMapOvr>
     <a:masterClrMapping/>
   </p:clrMapOvr>
+  <p:timing>
+    <p:tnLst>
+      <p:par>
+        <p:cTn id="1" dur="indefinite" restart="never" nodeType="tmRoot"/>
+      </p:par>
+    </p:tnLst>
+  </p:timing>
 </p:sld>
 </file>
 
@@ -11334,6 +11454,13 @@
   <p:clrMapOvr>
     <a:masterClrMapping/>
   </p:clrMapOvr>
+  <p:timing>
+    <p:tnLst>
+      <p:par>
+        <p:cTn id="1" dur="indefinite" restart="never" nodeType="tmRoot"/>
+      </p:par>
+    </p:tnLst>
+  </p:timing>
 </p:sld>
 </file>
 
@@ -11513,6 +11640,13 @@
   <p:clrMapOvr>
     <a:masterClrMapping/>
   </p:clrMapOvr>
+  <p:timing>
+    <p:tnLst>
+      <p:par>
+        <p:cTn id="1" dur="indefinite" restart="never" nodeType="tmRoot"/>
+      </p:par>
+    </p:tnLst>
+  </p:timing>
 </p:sld>
 </file>
 
